--- a/writeup/OverviewFig.pptx
+++ b/writeup/OverviewFig.pptx
@@ -3108,8 +3108,8 @@
         </p:nvSpPr>
         <p:spPr>
           <a:xfrm>
-            <a:off x="5823407" y="1339674"/>
-            <a:ext cx="2697142" cy="4371963"/>
+            <a:off x="5543577" y="1339674"/>
+            <a:ext cx="3237007" cy="4371963"/>
           </a:xfrm>
           <a:prstGeom prst="rect">
             <a:avLst/>
@@ -3119,7 +3119,7 @@
               <a:lumMod val="75000"/>
             </a:schemeClr>
           </a:solidFill>
-          <a:ln>
+          <a:ln w="38100" cmpd="sng">
             <a:solidFill>
               <a:schemeClr val="tx1"/>
             </a:solidFill>
@@ -3156,8 +3156,8 @@
         </p:nvSpPr>
         <p:spPr>
           <a:xfrm>
-            <a:off x="6134305" y="3234567"/>
-            <a:ext cx="2149287" cy="2188849"/>
+            <a:off x="5835228" y="3234567"/>
+            <a:ext cx="2620225" cy="2188849"/>
           </a:xfrm>
           <a:prstGeom prst="rect">
             <a:avLst/>
@@ -3214,7 +3214,7 @@
               <a:lumOff val="60000"/>
             </a:schemeClr>
           </a:solidFill>
-          <a:ln>
+          <a:ln w="38100" cmpd="sng">
             <a:solidFill>
               <a:srgbClr val="000000"/>
             </a:solidFill>
@@ -3527,7 +3527,7 @@
         <p:spPr>
           <a:xfrm flipV="1">
             <a:off x="5704168" y="5423416"/>
-            <a:ext cx="1504781" cy="781537"/>
+            <a:ext cx="1441173" cy="781538"/>
           </a:xfrm>
           <a:prstGeom prst="line">
             <a:avLst/>
@@ -3713,9 +3713,9 @@
             <a:avLst/>
           </a:prstGeom>
           <a:solidFill>
-            <a:schemeClr val="bg1"/>
+            <a:srgbClr val="F0F08D"/>
           </a:solidFill>
-          <a:ln>
+          <a:ln w="38100" cmpd="sng">
             <a:solidFill>
               <a:schemeClr val="tx1"/>
             </a:solidFill>
@@ -3856,8 +3856,8 @@
         </p:nvSpPr>
         <p:spPr>
           <a:xfrm>
-            <a:off x="8601804" y="1896265"/>
-            <a:ext cx="1438813" cy="707886"/>
+            <a:off x="8780585" y="1896265"/>
+            <a:ext cx="1504889" cy="707886"/>
           </a:xfrm>
           <a:prstGeom prst="rect">
             <a:avLst/>
@@ -3871,10 +3871,18 @@
           <a:lstStyle/>
           <a:p>
             <a:r>
-              <a:rPr lang="en-US" sz="4000" dirty="0" smtClean="0"/>
+              <a:rPr lang="en-US" sz="4000" dirty="0" smtClean="0">
+                <a:solidFill>
+                  <a:srgbClr val="FF0000"/>
+                </a:solidFill>
+              </a:rPr>
               <a:t>HTTPS</a:t>
             </a:r>
-            <a:endParaRPr lang="en-US" sz="4000" dirty="0"/>
+            <a:endParaRPr lang="en-US" sz="4000" dirty="0">
+              <a:solidFill>
+                <a:srgbClr val="FF0000"/>
+              </a:solidFill>
+            </a:endParaRPr>
           </a:p>
         </p:txBody>
       </p:sp>
@@ -3990,8 +3998,8 @@
         </p:nvSpPr>
         <p:spPr>
           <a:xfrm>
-            <a:off x="6134305" y="1487417"/>
-            <a:ext cx="2149287" cy="1534683"/>
+            <a:off x="5835228" y="1487417"/>
+            <a:ext cx="2620225" cy="1534683"/>
           </a:xfrm>
           <a:prstGeom prst="rect">
             <a:avLst/>

--- a/writeup/OverviewFig.pptx
+++ b/writeup/OverviewFig.pptx
@@ -3252,8 +3252,8 @@
         </p:nvSpPr>
         <p:spPr>
           <a:xfrm>
-            <a:off x="559506" y="4762433"/>
-            <a:ext cx="3211294" cy="1745684"/>
+            <a:off x="559506" y="4501002"/>
+            <a:ext cx="3211294" cy="2007115"/>
           </a:xfrm>
           <a:prstGeom prst="rect">
             <a:avLst/>
@@ -3298,8 +3298,8 @@
         </p:nvSpPr>
         <p:spPr>
           <a:xfrm>
-            <a:off x="559506" y="1577007"/>
-            <a:ext cx="3211294" cy="1668864"/>
+            <a:off x="559506" y="1577006"/>
+            <a:ext cx="3211294" cy="2067451"/>
           </a:xfrm>
           <a:prstGeom prst="rect">
             <a:avLst/>
@@ -3713,7 +3713,10 @@
             <a:avLst/>
           </a:prstGeom>
           <a:solidFill>
-            <a:srgbClr val="F0F08D"/>
+            <a:schemeClr val="accent1">
+              <a:lumMod val="40000"/>
+              <a:lumOff val="60000"/>
+            </a:schemeClr>
           </a:solidFill>
           <a:ln w="38100" cmpd="sng">
             <a:solidFill>
@@ -3794,7 +3797,7 @@
           <a:prstGeom prst="line">
             <a:avLst/>
           </a:prstGeom>
-          <a:ln w="76200" cmpd="sng">
+          <a:ln w="127000" cmpd="sng">
             <a:headEnd type="arrow"/>
             <a:tailEnd type="none"/>
           </a:ln>
@@ -3828,7 +3831,7 @@
           <a:prstGeom prst="line">
             <a:avLst/>
           </a:prstGeom>
-          <a:ln w="76200" cmpd="sng">
+          <a:ln w="127000" cmpd="sng">
             <a:headEnd type="none"/>
             <a:tailEnd type="arrow"/>
           </a:ln>
@@ -3856,8 +3859,8 @@
         </p:nvSpPr>
         <p:spPr>
           <a:xfrm>
-            <a:off x="8780585" y="1896265"/>
-            <a:ext cx="1504889" cy="707886"/>
+            <a:off x="8744277" y="1896265"/>
+            <a:ext cx="1531689" cy="707886"/>
           </a:xfrm>
           <a:prstGeom prst="rect">
             <a:avLst/>
@@ -3871,14 +3874,14 @@
           <a:lstStyle/>
           <a:p>
             <a:r>
-              <a:rPr lang="en-US" sz="4000" dirty="0" smtClean="0">
+              <a:rPr lang="en-US" sz="4000" b="1" dirty="0" smtClean="0">
                 <a:solidFill>
                   <a:srgbClr val="FF0000"/>
                 </a:solidFill>
               </a:rPr>
               <a:t>HTTPS</a:t>
             </a:r>
-            <a:endParaRPr lang="en-US" sz="4000" dirty="0">
+            <a:endParaRPr lang="en-US" sz="4000" b="1" dirty="0">
               <a:solidFill>
                 <a:srgbClr val="FF0000"/>
               </a:solidFill>
@@ -3936,7 +3939,7 @@
           <a:prstGeom prst="line">
             <a:avLst/>
           </a:prstGeom>
-          <a:ln w="76200" cmpd="sng">
+          <a:ln w="127000" cmpd="sng">
             <a:headEnd type="arrow"/>
             <a:tailEnd type="none"/>
           </a:ln>
@@ -3970,7 +3973,7 @@
           <a:prstGeom prst="line">
             <a:avLst/>
           </a:prstGeom>
-          <a:ln w="76200" cmpd="sng">
+          <a:ln w="127000" cmpd="sng">
             <a:headEnd type="none"/>
             <a:tailEnd type="arrow"/>
           </a:ln>
@@ -4050,7 +4053,7 @@
           <a:prstGeom prst="straightConnector1">
             <a:avLst/>
           </a:prstGeom>
-          <a:ln w="76200" cmpd="sng">
+          <a:ln w="127000" cmpd="sng">
             <a:headEnd type="arrow"/>
             <a:tailEnd type="arrow"/>
           </a:ln>

--- a/writeup/OverviewFig.pptx
+++ b/writeup/OverviewFig.pptx
@@ -3713,7 +3713,7 @@
             <a:avLst/>
           </a:prstGeom>
           <a:solidFill>
-            <a:schemeClr val="accent1">
+            <a:schemeClr val="accent2">
               <a:lumMod val="40000"/>
               <a:lumOff val="60000"/>
             </a:schemeClr>
@@ -3791,8 +3791,8 @@
         </p:nvCxnSpPr>
         <p:spPr>
           <a:xfrm flipV="1">
-            <a:off x="7645163" y="2604151"/>
-            <a:ext cx="0" cy="1180699"/>
+            <a:off x="7645163" y="2604152"/>
+            <a:ext cx="0" cy="1404257"/>
           </a:xfrm>
           <a:prstGeom prst="line">
             <a:avLst/>
@@ -3934,7 +3934,7 @@
         <p:spPr>
           <a:xfrm flipV="1">
             <a:off x="6846792" y="2604151"/>
-            <a:ext cx="0" cy="1180696"/>
+            <a:ext cx="0" cy="1404258"/>
           </a:xfrm>
           <a:prstGeom prst="line">
             <a:avLst/>

--- a/writeup/OverviewFig.pptx
+++ b/writeup/OverviewFig.pptx
@@ -288,7 +288,7 @@
           <a:p>
             <a:fld id="{6CABA93C-DC80-9046-97C2-C65CE0460EDC}" type="datetimeFigureOut">
               <a:rPr lang="en-US" smtClean="0"/>
-              <a:t>1/17/16</a:t>
+              <a:t>1/18/16</a:t>
             </a:fld>
             <a:endParaRPr lang="en-US"/>
           </a:p>
@@ -458,7 +458,7 @@
           <a:p>
             <a:fld id="{6CABA93C-DC80-9046-97C2-C65CE0460EDC}" type="datetimeFigureOut">
               <a:rPr lang="en-US" smtClean="0"/>
-              <a:t>1/17/16</a:t>
+              <a:t>1/18/16</a:t>
             </a:fld>
             <a:endParaRPr lang="en-US"/>
           </a:p>
@@ -638,7 +638,7 @@
           <a:p>
             <a:fld id="{6CABA93C-DC80-9046-97C2-C65CE0460EDC}" type="datetimeFigureOut">
               <a:rPr lang="en-US" smtClean="0"/>
-              <a:t>1/17/16</a:t>
+              <a:t>1/18/16</a:t>
             </a:fld>
             <a:endParaRPr lang="en-US"/>
           </a:p>
@@ -808,7 +808,7 @@
           <a:p>
             <a:fld id="{6CABA93C-DC80-9046-97C2-C65CE0460EDC}" type="datetimeFigureOut">
               <a:rPr lang="en-US" smtClean="0"/>
-              <a:t>1/17/16</a:t>
+              <a:t>1/18/16</a:t>
             </a:fld>
             <a:endParaRPr lang="en-US"/>
           </a:p>
@@ -1054,7 +1054,7 @@
           <a:p>
             <a:fld id="{6CABA93C-DC80-9046-97C2-C65CE0460EDC}" type="datetimeFigureOut">
               <a:rPr lang="en-US" smtClean="0"/>
-              <a:t>1/17/16</a:t>
+              <a:t>1/18/16</a:t>
             </a:fld>
             <a:endParaRPr lang="en-US"/>
           </a:p>
@@ -1342,7 +1342,7 @@
           <a:p>
             <a:fld id="{6CABA93C-DC80-9046-97C2-C65CE0460EDC}" type="datetimeFigureOut">
               <a:rPr lang="en-US" smtClean="0"/>
-              <a:t>1/17/16</a:t>
+              <a:t>1/18/16</a:t>
             </a:fld>
             <a:endParaRPr lang="en-US"/>
           </a:p>
@@ -1769,7 +1769,7 @@
           <a:p>
             <a:fld id="{6CABA93C-DC80-9046-97C2-C65CE0460EDC}" type="datetimeFigureOut">
               <a:rPr lang="en-US" smtClean="0"/>
-              <a:t>1/17/16</a:t>
+              <a:t>1/18/16</a:t>
             </a:fld>
             <a:endParaRPr lang="en-US"/>
           </a:p>
@@ -1887,7 +1887,7 @@
           <a:p>
             <a:fld id="{6CABA93C-DC80-9046-97C2-C65CE0460EDC}" type="datetimeFigureOut">
               <a:rPr lang="en-US" smtClean="0"/>
-              <a:t>1/17/16</a:t>
+              <a:t>1/18/16</a:t>
             </a:fld>
             <a:endParaRPr lang="en-US"/>
           </a:p>
@@ -1982,7 +1982,7 @@
           <a:p>
             <a:fld id="{6CABA93C-DC80-9046-97C2-C65CE0460EDC}" type="datetimeFigureOut">
               <a:rPr lang="en-US" smtClean="0"/>
-              <a:t>1/17/16</a:t>
+              <a:t>1/18/16</a:t>
             </a:fld>
             <a:endParaRPr lang="en-US"/>
           </a:p>
@@ -2259,7 +2259,7 @@
           <a:p>
             <a:fld id="{6CABA93C-DC80-9046-97C2-C65CE0460EDC}" type="datetimeFigureOut">
               <a:rPr lang="en-US" smtClean="0"/>
-              <a:t>1/17/16</a:t>
+              <a:t>1/18/16</a:t>
             </a:fld>
             <a:endParaRPr lang="en-US"/>
           </a:p>
@@ -2512,7 +2512,7 @@
           <a:p>
             <a:fld id="{6CABA93C-DC80-9046-97C2-C65CE0460EDC}" type="datetimeFigureOut">
               <a:rPr lang="en-US" smtClean="0"/>
-              <a:t>1/17/16</a:t>
+              <a:t>1/18/16</a:t>
             </a:fld>
             <a:endParaRPr lang="en-US"/>
           </a:p>
@@ -2725,7 +2725,7 @@
           <a:p>
             <a:fld id="{6CABA93C-DC80-9046-97C2-C65CE0460EDC}" type="datetimeFigureOut">
               <a:rPr lang="en-US" smtClean="0"/>
-              <a:t>1/17/16</a:t>
+              <a:t>1/18/16</a:t>
             </a:fld>
             <a:endParaRPr lang="en-US"/>
           </a:p>
@@ -3344,8 +3344,8 @@
         </p:nvSpPr>
         <p:spPr>
           <a:xfrm>
-            <a:off x="6134305" y="4008409"/>
-            <a:ext cx="2006001" cy="769441"/>
+            <a:off x="5985422" y="3909807"/>
+            <a:ext cx="2364124" cy="1015663"/>
           </a:xfrm>
           <a:prstGeom prst="rect">
             <a:avLst/>
@@ -3359,15 +3359,15 @@
           <a:lstStyle/>
           <a:p>
             <a:r>
-              <a:rPr lang="en-US" sz="4400" dirty="0" smtClean="0">
-                <a:latin typeface="Verdana"/>
-                <a:cs typeface="Verdana"/>
+              <a:rPr lang="en-US" sz="6000" dirty="0" smtClean="0">
+                <a:latin typeface="Times New Roman"/>
+                <a:cs typeface="Times New Roman"/>
               </a:rPr>
               <a:t>Engine</a:t>
             </a:r>
-            <a:endParaRPr lang="en-US" sz="4400" dirty="0">
-              <a:latin typeface="Verdana"/>
-              <a:cs typeface="Verdana"/>
+            <a:endParaRPr lang="en-US" sz="6000" dirty="0">
+              <a:latin typeface="Times New Roman"/>
+              <a:cs typeface="Times New Roman"/>
             </a:endParaRPr>
           </a:p>
         </p:txBody>
@@ -3381,7 +3381,7 @@
         <p:spPr>
           <a:xfrm>
             <a:off x="5543578" y="210141"/>
-            <a:ext cx="3058226" cy="830997"/>
+            <a:ext cx="3136496" cy="830997"/>
           </a:xfrm>
           <a:prstGeom prst="rect">
             <a:avLst/>
@@ -3395,15 +3395,15 @@
           <a:lstStyle/>
           <a:p>
             <a:r>
-              <a:rPr lang="en-US" sz="4800" i="1" dirty="0" smtClean="0">
-                <a:latin typeface="Lucida Sans"/>
-                <a:cs typeface="Lucida Sans"/>
+              <a:rPr lang="en-US" sz="4800" dirty="0" smtClean="0">
+                <a:latin typeface="Verdana"/>
+                <a:cs typeface="Verdana"/>
               </a:rPr>
               <a:t>TC server</a:t>
             </a:r>
-            <a:endParaRPr lang="en-US" sz="4800" i="1" dirty="0">
-              <a:latin typeface="Lucida Sans"/>
-              <a:cs typeface="Lucida Sans"/>
+            <a:endParaRPr lang="en-US" sz="4800" dirty="0">
+              <a:latin typeface="Verdana"/>
+              <a:cs typeface="Verdana"/>
             </a:endParaRPr>
           </a:p>
         </p:txBody>
@@ -3417,7 +3417,7 @@
         <p:spPr>
           <a:xfrm>
             <a:off x="381932" y="210141"/>
-            <a:ext cx="3356225" cy="830997"/>
+            <a:ext cx="3472525" cy="830997"/>
           </a:xfrm>
           <a:prstGeom prst="rect">
             <a:avLst/>
@@ -3431,15 +3431,15 @@
           <a:lstStyle/>
           <a:p>
             <a:r>
-              <a:rPr lang="en-US" sz="4800" i="1" dirty="0" err="1" smtClean="0">
-                <a:latin typeface="Lucida Sans"/>
-                <a:cs typeface="Lucida Sans"/>
+              <a:rPr lang="en-US" sz="4800" dirty="0" err="1" smtClean="0">
+                <a:latin typeface="Verdana"/>
+                <a:cs typeface="Verdana"/>
               </a:rPr>
               <a:t>Blockchain</a:t>
             </a:r>
-            <a:endParaRPr lang="en-US" sz="4800" i="1" dirty="0">
-              <a:latin typeface="Lucida Sans"/>
-              <a:cs typeface="Lucida Sans"/>
+            <a:endParaRPr lang="en-US" sz="4800" dirty="0">
+              <a:latin typeface="Verdana"/>
+              <a:cs typeface="Verdana"/>
             </a:endParaRPr>
           </a:p>
         </p:txBody>
@@ -3452,8 +3452,8 @@
         </p:nvSpPr>
         <p:spPr>
           <a:xfrm>
-            <a:off x="6326647" y="1697415"/>
-            <a:ext cx="1646962" cy="769441"/>
+            <a:off x="6177764" y="1598813"/>
+            <a:ext cx="1979403" cy="1015663"/>
           </a:xfrm>
           <a:prstGeom prst="rect">
             <a:avLst/>
@@ -3467,15 +3467,15 @@
           <a:lstStyle/>
           <a:p>
             <a:r>
-              <a:rPr lang="en-US" sz="4400" dirty="0" smtClean="0">
-                <a:latin typeface="Verdana"/>
-                <a:cs typeface="Verdana"/>
+              <a:rPr lang="en-US" sz="6000" dirty="0" smtClean="0">
+                <a:latin typeface="Times New Roman"/>
+                <a:cs typeface="Times New Roman"/>
               </a:rPr>
               <a:t>Relay</a:t>
             </a:r>
-            <a:endParaRPr lang="en-US" sz="4400" dirty="0">
-              <a:latin typeface="Verdana"/>
-              <a:cs typeface="Verdana"/>
+            <a:endParaRPr lang="en-US" sz="6000" dirty="0">
+              <a:latin typeface="Times New Roman"/>
+              <a:cs typeface="Times New Roman"/>
             </a:endParaRPr>
           </a:p>
         </p:txBody>
@@ -3488,8 +3488,8 @@
         </p:nvSpPr>
         <p:spPr>
           <a:xfrm>
-            <a:off x="669073" y="1621036"/>
-            <a:ext cx="2794941" cy="769441"/>
+            <a:off x="707019" y="1487417"/>
+            <a:ext cx="2993127" cy="923330"/>
           </a:xfrm>
           <a:prstGeom prst="rect">
             <a:avLst/>
@@ -3503,15 +3503,15 @@
           <a:lstStyle/>
           <a:p>
             <a:r>
-              <a:rPr lang="en-US" sz="4400" dirty="0" err="1" smtClean="0">
-                <a:latin typeface="Verdana"/>
-                <a:cs typeface="Verdana"/>
+              <a:rPr lang="en-US" sz="5400" dirty="0" err="1" smtClean="0">
+                <a:latin typeface="Times New Roman"/>
+                <a:cs typeface="Times New Roman"/>
               </a:rPr>
               <a:t>TContract</a:t>
             </a:r>
-            <a:endParaRPr lang="en-US" sz="4400" dirty="0">
-              <a:latin typeface="Verdana"/>
-              <a:cs typeface="Verdana"/>
+            <a:endParaRPr lang="en-US" sz="5400" dirty="0">
+              <a:latin typeface="Times New Roman"/>
+              <a:cs typeface="Times New Roman"/>
             </a:endParaRPr>
           </a:p>
         </p:txBody>
@@ -3562,8 +3562,8 @@
         </p:nvSpPr>
         <p:spPr>
           <a:xfrm>
-            <a:off x="4392341" y="6034802"/>
-            <a:ext cx="1880548" cy="646331"/>
+            <a:off x="4666108" y="6034802"/>
+            <a:ext cx="3089007" cy="646331"/>
           </a:xfrm>
           <a:prstGeom prst="rect">
             <a:avLst/>
@@ -3577,15 +3577,15 @@
           <a:lstStyle/>
           <a:p>
             <a:r>
-              <a:rPr lang="en-US" sz="3600" i="1" dirty="0" smtClean="0">
-                <a:latin typeface="Lucida Sans"/>
-                <a:cs typeface="Lucida Sans"/>
+              <a:rPr lang="en-US" sz="3600" dirty="0" smtClean="0">
+                <a:latin typeface="Verdana"/>
+                <a:cs typeface="Verdana"/>
               </a:rPr>
-              <a:t>enclave</a:t>
-            </a:r>
-            <a:endParaRPr lang="en-US" sz="3600" i="1" dirty="0">
-              <a:latin typeface="Lucida Sans"/>
-              <a:cs typeface="Lucida Sans"/>
+              <a:t>SGX enclave</a:t>
+            </a:r>
+            <a:endParaRPr lang="en-US" sz="3600" dirty="0">
+              <a:latin typeface="Verdana"/>
+              <a:cs typeface="Verdana"/>
             </a:endParaRPr>
           </a:p>
         </p:txBody>
@@ -3598,8 +3598,8 @@
         </p:nvSpPr>
         <p:spPr>
           <a:xfrm>
-            <a:off x="689497" y="4762434"/>
-            <a:ext cx="2775880" cy="769441"/>
+            <a:off x="707019" y="4573052"/>
+            <a:ext cx="2954655" cy="923330"/>
           </a:xfrm>
           <a:prstGeom prst="rect">
             <a:avLst/>
@@ -3613,15 +3613,15 @@
           <a:lstStyle/>
           <a:p>
             <a:r>
-              <a:rPr lang="en-US" sz="4400" dirty="0" smtClean="0">
-                <a:latin typeface="Verdana"/>
-                <a:cs typeface="Verdana"/>
+              <a:rPr lang="en-US" sz="5400" dirty="0" smtClean="0">
+                <a:latin typeface="Times New Roman"/>
+                <a:cs typeface="Times New Roman"/>
               </a:rPr>
-              <a:t>requester</a:t>
-            </a:r>
-            <a:endParaRPr lang="en-US" sz="4400" dirty="0">
-              <a:latin typeface="Verdana"/>
-              <a:cs typeface="Verdana"/>
+              <a:t>Requester</a:t>
+            </a:r>
+            <a:endParaRPr lang="en-US" sz="5400" dirty="0">
+              <a:latin typeface="Times New Roman"/>
+              <a:cs typeface="Times New Roman"/>
             </a:endParaRPr>
           </a:p>
         </p:txBody>
@@ -3634,8 +3634,8 @@
         </p:nvSpPr>
         <p:spPr>
           <a:xfrm>
-            <a:off x="1686075" y="5307789"/>
-            <a:ext cx="842650" cy="1200329"/>
+            <a:off x="1559276" y="5050792"/>
+            <a:ext cx="1269925" cy="2308324"/>
           </a:xfrm>
           <a:prstGeom prst="rect">
             <a:avLst/>
@@ -3653,8 +3653,21 @@
                 <a:latin typeface="Monotype Corsiva"/>
                 <a:cs typeface="Monotype Corsiva"/>
               </a:rPr>
+              <a:t>C</a:t>
+            </a:r>
+            <a:r>
+              <a:rPr lang="en-US" sz="7200" i="1" baseline="-25000" dirty="0" smtClean="0">
+                <a:latin typeface="Times"/>
+                <a:cs typeface="Times"/>
+              </a:rPr>
               <a:t>R</a:t>
             </a:r>
+            <a:endParaRPr lang="en-US" sz="7200" i="1" dirty="0">
+              <a:latin typeface="Times"/>
+              <a:cs typeface="Times"/>
+            </a:endParaRPr>
+          </a:p>
+          <a:p>
             <a:endParaRPr lang="en-US" sz="7200" dirty="0">
               <a:latin typeface="Monotype Corsiva"/>
               <a:cs typeface="Monotype Corsiva"/>
@@ -3670,8 +3683,8 @@
         </p:nvSpPr>
         <p:spPr>
           <a:xfrm>
-            <a:off x="1720536" y="2082136"/>
-            <a:ext cx="842650" cy="1200329"/>
+            <a:off x="1446751" y="2082136"/>
+            <a:ext cx="1494975" cy="1200329"/>
           </a:xfrm>
           <a:prstGeom prst="rect">
             <a:avLst/>
@@ -3689,11 +3702,18 @@
                 <a:latin typeface="Monotype Corsiva"/>
                 <a:cs typeface="Monotype Corsiva"/>
               </a:rPr>
-              <a:t>T</a:t>
-            </a:r>
-            <a:endParaRPr lang="en-US" sz="7200" dirty="0">
-              <a:latin typeface="Monotype Corsiva"/>
-              <a:cs typeface="Monotype Corsiva"/>
+              <a:t>C</a:t>
+            </a:r>
+            <a:r>
+              <a:rPr lang="en-US" sz="7200" i="1" baseline="-25000" dirty="0" smtClean="0">
+                <a:latin typeface="Times"/>
+                <a:cs typeface="Times"/>
+              </a:rPr>
+              <a:t>TC</a:t>
+            </a:r>
+            <a:endParaRPr lang="en-US" sz="7200" i="1" dirty="0">
+              <a:latin typeface="Times"/>
+              <a:cs typeface="Times"/>
             </a:endParaRPr>
           </a:p>
         </p:txBody>
@@ -3756,7 +3776,7 @@
         <p:spPr>
           <a:xfrm>
             <a:off x="9962348" y="210141"/>
-            <a:ext cx="3753652" cy="830997"/>
+            <a:ext cx="3891210" cy="830997"/>
           </a:xfrm>
           <a:prstGeom prst="rect">
             <a:avLst/>
@@ -3770,15 +3790,15 @@
           <a:lstStyle/>
           <a:p>
             <a:r>
-              <a:rPr lang="en-US" sz="4800" i="1" dirty="0" smtClean="0">
-                <a:latin typeface="Lucida Sans"/>
-                <a:cs typeface="Lucida Sans"/>
+              <a:rPr lang="en-US" sz="4800" dirty="0" smtClean="0">
+                <a:latin typeface="Verdana"/>
+                <a:cs typeface="Verdana"/>
               </a:rPr>
               <a:t>Data source</a:t>
             </a:r>
-            <a:endParaRPr lang="en-US" sz="4800" i="1" dirty="0">
-              <a:latin typeface="Lucida Sans"/>
-              <a:cs typeface="Lucida Sans"/>
+            <a:endParaRPr lang="en-US" sz="4800" dirty="0">
+              <a:latin typeface="Verdana"/>
+              <a:cs typeface="Verdana"/>
             </a:endParaRPr>
           </a:p>
         </p:txBody>
@@ -4046,9 +4066,9 @@
           <p:nvPr/>
         </p:nvCxnSpPr>
         <p:spPr>
-          <a:xfrm>
+          <a:xfrm flipH="1">
             <a:off x="2141861" y="3282465"/>
-            <a:ext cx="0" cy="1495385"/>
+            <a:ext cx="52378" cy="1495385"/>
           </a:xfrm>
           <a:prstGeom prst="straightConnector1">
             <a:avLst/>
